--- a/Presentation1.pptx
+++ b/Presentation1.pptx
@@ -5,7 +5,7 @@
     <p:sldMasterId id="2147483648" r:id="rId1"/>
   </p:sldMasterIdLst>
   <p:notesMasterIdLst>
-    <p:notesMasterId r:id="rId12"/>
+    <p:notesMasterId r:id="rId13"/>
   </p:notesMasterIdLst>
   <p:sldIdLst>
     <p:sldId id="256" r:id="rId4"/>
@@ -16,6 +16,7 @@
     <p:sldId id="261" r:id="rId9"/>
     <p:sldId id="262" r:id="rId10"/>
     <p:sldId id="263" r:id="rId11"/>
+    <p:sldId id="264" r:id="rId12"/>
   </p:sldIdLst>
   <p:sldSz cx="12192000" cy="6858000"/>
   <p:notesSz cx="6858000" cy="9144000"/>
@@ -1074,6 +1075,88 @@
 </file>
 
 <file path=ppt/notesSlides/notesSlide8.xml><?xml version="1.0" encoding="utf-8"?>
+<p:notes xmlns:a="http://schemas.openxmlformats.org/drawingml/2006/main" xmlns:r="http://schemas.openxmlformats.org/officeDocument/2006/relationships" xmlns:p="http://schemas.openxmlformats.org/presentationml/2006/main" xmlns:m="http://schemas.openxmlformats.org/officeDocument/2006/math" xmlns:w="http://schemas.openxmlformats.org/wordprocessingml/2006/main">
+  <p:cSld name="">
+    <p:spTree>
+      <p:nvGrpSpPr>
+        <p:cNvPr id="1" name=""/>
+        <p:cNvGrpSpPr/>
+        <p:nvPr/>
+      </p:nvGrpSpPr>
+      <p:grpSpPr bwMode="auto">
+        <a:xfrm>
+          <a:off x="0" y="0"/>
+          <a:ext cx="0" cy="0"/>
+          <a:chOff x="0" y="0"/>
+          <a:chExt cx="0" cy="0"/>
+        </a:xfrm>
+      </p:grpSpPr>
+      <p:sp>
+        <p:nvSpPr>
+          <p:cNvPr id="2" name="Slide Image Placeholder 1"/>
+          <p:cNvSpPr>
+            <a:spLocks noChangeAspect="1" noGrp="1" noRot="1"/>
+          </p:cNvSpPr>
+          <p:nvPr>
+            <p:ph type="sldImg"/>
+          </p:nvPr>
+        </p:nvSpPr>
+        <p:spPr bwMode="auto"/>
+      </p:sp>
+      <p:sp>
+        <p:nvSpPr>
+          <p:cNvPr id="3" name="Notes Placeholder 2"/>
+          <p:cNvSpPr>
+            <a:spLocks noGrp="1"/>
+          </p:cNvSpPr>
+          <p:nvPr>
+            <p:ph type="body" idx="1"/>
+          </p:nvPr>
+        </p:nvSpPr>
+        <p:spPr bwMode="auto"/>
+        <p:txBody>
+          <a:bodyPr/>
+          <a:lstStyle/>
+          <a:p>
+            <a:pPr>
+              <a:defRPr/>
+            </a:pPr>
+            <a:endParaRPr/>
+          </a:p>
+        </p:txBody>
+      </p:sp>
+      <p:sp>
+        <p:nvSpPr>
+          <p:cNvPr id="4" name="Slide Number Placeholder 3"/>
+          <p:cNvSpPr>
+            <a:spLocks noGrp="1"/>
+          </p:cNvSpPr>
+          <p:nvPr>
+            <p:ph type="sldNum" sz="quarter" idx="10"/>
+          </p:nvPr>
+        </p:nvSpPr>
+        <p:spPr bwMode="auto"/>
+        <p:txBody>
+          <a:bodyPr/>
+          <a:lstStyle/>
+          <a:p>
+            <a:pPr>
+              <a:defRPr/>
+            </a:pPr>
+            <a:fld id="{A46BE613-739E-F9E9-6D51-D5630D6B36ED}" type="slidenum">
+              <a:rPr/>
+              <a:t/>
+            </a:fld>
+            <a:endParaRPr/>
+          </a:p>
+        </p:txBody>
+      </p:sp>
+    </p:spTree>
+  </p:cSld>
+</p:notes>
+</file>
+
+<file path=ppt/notesSlides/notesSlide9.xml><?xml version="1.0" encoding="utf-8"?>
 <p:notes xmlns:a="http://schemas.openxmlformats.org/drawingml/2006/main" xmlns:r="http://schemas.openxmlformats.org/officeDocument/2006/relationships" xmlns:p="http://schemas.openxmlformats.org/presentationml/2006/main" xmlns:m="http://schemas.openxmlformats.org/officeDocument/2006/math" xmlns:w="http://schemas.openxmlformats.org/wordprocessingml/2006/main">
   <p:cSld name="">
     <p:spTree>
@@ -11474,7 +11557,7 @@
         </p:nvSpPr>
         <p:spPr bwMode="auto">
           <a:xfrm flipH="0" flipV="0">
-            <a:off x="4366279" y="3230519"/>
+            <a:off x="4690128" y="3196409"/>
             <a:ext cx="4293064" cy="274679"/>
           </a:xfrm>
           <a:prstGeom prst="rect">
@@ -11491,10 +11574,11 @@
               <a:defRPr/>
             </a:pPr>
             <a:r>
-              <a:rPr sz="1200">
+              <a:rPr sz="1200" u="sng">
                 <a:solidFill>
                   <a:schemeClr val="accent1"/>
                 </a:solidFill>
+                <a:hlinkClick r:id="rId3" tooltip="https://en.wikipedia.org/wiki/Bresenham%27s_line_algorithm"/>
               </a:rPr>
               <a:t>https://en.wikipedia.org/wiki/Bresenham%27s_line_algorithm</a:t>
             </a:r>
@@ -12797,15 +12881,82 @@
             <p:ph idx="1"/>
           </p:nvPr>
         </p:nvSpPr>
-        <p:spPr bwMode="auto"/>
+        <p:spPr bwMode="auto">
+          <a:xfrm flipH="0" flipV="0">
+            <a:off x="1143000" y="2206624"/>
+            <a:ext cx="9812700" cy="2498724"/>
+          </a:xfrm>
+        </p:spPr>
         <p:txBody>
-          <a:bodyPr/>
+          <a:bodyPr vertOverflow="overflow" horzOverflow="overflow" vert="horz" wrap="square" lIns="91440" tIns="45720" rIns="91440" bIns="45720" numCol="1" spcCol="0" rtlCol="0" fromWordArt="0" anchor="t" anchorCtr="0" forceAA="0" upright="0" compatLnSpc="0">
+            <a:normAutofit fontScale="85000" lnSpcReduction="3000"/>
+          </a:bodyPr>
           <a:lstStyle/>
           <a:p>
-            <a:pPr>
-              <a:defRPr/>
-            </a:pPr>
-            <a:endParaRPr/>
+            <a:pPr marL="0" indent="0">
+              <a:buFont typeface="Arial"/>
+              <a:buNone/>
+              <a:defRPr/>
+            </a:pPr>
+            <a:r>
+              <a:rPr lang="el-GR"/>
+              <a:t>Θα μπορούσαμε να το προτιμήσουμε επειδή:	</a:t>
+            </a:r>
+            <a:endParaRPr lang="el-GR"/>
+          </a:p>
+          <a:p>
+            <a:pPr marL="0" indent="0">
+              <a:buFont typeface="Arial"/>
+              <a:buNone/>
+              <a:defRPr/>
+            </a:pPr>
+            <a:endParaRPr lang="el-GR"/>
+          </a:p>
+          <a:p>
+            <a:pPr marL="0" indent="0">
+              <a:buFont typeface="Arial"/>
+              <a:buNone/>
+              <a:defRPr/>
+            </a:pPr>
+            <a:r>
+              <a:rPr lang="el-GR" sz="2000"/>
+              <a:t>	Έχουμε την δύναμη της παράλληλης εκτέλεσης το οποίο το χρειαζόμαστε στα γραφικά</a:t>
+            </a:r>
+            <a:endParaRPr sz="2000"/>
+          </a:p>
+          <a:p>
+            <a:pPr marL="0" indent="0">
+              <a:buFont typeface="Arial"/>
+              <a:buNone/>
+              <a:defRPr/>
+            </a:pPr>
+            <a:endParaRPr sz="2000"/>
+          </a:p>
+          <a:p>
+            <a:pPr marL="0" indent="0">
+              <a:buFont typeface="Arial"/>
+              <a:buNone/>
+              <a:defRPr/>
+            </a:pPr>
+            <a:r>
+              <a:rPr lang="el-GR" sz="2000"/>
+              <a:t>	Σχεδίαση του </a:t>
+            </a:r>
+            <a:r>
+              <a:rPr lang="en-US" sz="2000"/>
+              <a:t>chip </a:t>
+            </a:r>
+            <a:r>
+              <a:rPr lang="el-GR" sz="2000"/>
+              <a:t>συγκεκριμένα για τις πράξεις που θέλουμε </a:t>
+            </a:r>
+            <a:br>
+              <a:rPr lang="el-GR" sz="2000"/>
+            </a:br>
+            <a:br>
+              <a:rPr lang="el-GR" sz="2000"/>
+            </a:br>
+            <a:endParaRPr lang="el-GR"/>
           </a:p>
         </p:txBody>
       </p:sp>
@@ -12826,6 +12977,148 @@
 </file>
 
 <file path=ppt/slides/slide8.xml><?xml version="1.0" encoding="utf-8"?>
+<p:sld xmlns:a="http://schemas.openxmlformats.org/drawingml/2006/main" xmlns:r="http://schemas.openxmlformats.org/officeDocument/2006/relationships" xmlns:p="http://schemas.openxmlformats.org/presentationml/2006/main" xmlns:m="http://schemas.openxmlformats.org/officeDocument/2006/math" xmlns:w="http://schemas.openxmlformats.org/wordprocessingml/2006/main" xmlns:mc="http://schemas.openxmlformats.org/markup-compatibility/2006" showMasterPhAnim="0" showMasterSp="1" show="1">
+  <p:cSld name="">
+    <p:spTree>
+      <p:nvGrpSpPr>
+        <p:cNvPr id="1" name=""/>
+        <p:cNvGrpSpPr/>
+        <p:nvPr/>
+      </p:nvGrpSpPr>
+      <p:grpSpPr bwMode="auto">
+        <a:xfrm>
+          <a:off x="0" y="0"/>
+          <a:ext cx="0" cy="0"/>
+          <a:chOff x="0" y="0"/>
+          <a:chExt cx="0" cy="0"/>
+        </a:xfrm>
+      </p:grpSpPr>
+      <p:sp>
+        <p:nvSpPr>
+          <p:cNvPr id="26550096" name="Title 1"/>
+          <p:cNvSpPr>
+            <a:spLocks noGrp="1"/>
+          </p:cNvSpPr>
+          <p:nvPr>
+            <p:ph type="title"/>
+          </p:nvPr>
+        </p:nvSpPr>
+        <p:spPr bwMode="auto"/>
+        <p:txBody>
+          <a:bodyPr/>
+          <a:lstStyle/>
+          <a:p>
+            <a:pPr>
+              <a:defRPr/>
+            </a:pPr>
+            <a:r>
+              <a:rPr lang="el-GR"/>
+              <a:t>Παράλληλη εκτέλεση</a:t>
+            </a:r>
+            <a:endParaRPr/>
+          </a:p>
+        </p:txBody>
+      </p:sp>
+      <p:sp>
+        <p:nvSpPr>
+          <p:cNvPr id="1264543798" name="Content Placeholder 2"/>
+          <p:cNvSpPr>
+            <a:spLocks noGrp="1"/>
+          </p:cNvSpPr>
+          <p:nvPr>
+            <p:ph idx="1"/>
+          </p:nvPr>
+        </p:nvSpPr>
+        <p:spPr bwMode="auto">
+          <a:xfrm flipH="0" flipV="0">
+            <a:off x="1181099" y="1825624"/>
+            <a:ext cx="9088799" cy="2403474"/>
+          </a:xfrm>
+        </p:spPr>
+        <p:txBody>
+          <a:bodyPr vertOverflow="overflow" horzOverflow="overflow" vert="horz" wrap="square" lIns="91440" tIns="45720" rIns="91440" bIns="45720" numCol="1" spcCol="0" rtlCol="0" fromWordArt="0" anchor="t" anchorCtr="0" forceAA="0" upright="0" compatLnSpc="0">
+            <a:normAutofit fontScale="70000" lnSpcReduction="6000"/>
+          </a:bodyPr>
+          <a:lstStyle/>
+          <a:p>
+            <a:pPr marL="0" indent="0">
+              <a:buFont typeface="Arial"/>
+              <a:buNone/>
+              <a:defRPr/>
+            </a:pPr>
+            <a:r>
+              <a:rPr lang="el-GR"/>
+              <a:t>Πολλαπλασιασμός μητρώων μπορούν να γίνονται παράλληλα χωρίς οι θέσεις να αλληλοεπηρεάζονται (οι μετασχηματισμοί κάθε σημείου)</a:t>
+            </a:r>
+            <a:endParaRPr lang="el-GR"/>
+          </a:p>
+          <a:p>
+            <a:pPr marL="0" indent="0">
+              <a:buFont typeface="Arial"/>
+              <a:buNone/>
+              <a:defRPr/>
+            </a:pPr>
+            <a:endParaRPr lang="el-GR"/>
+          </a:p>
+          <a:p>
+            <a:pPr marL="0" indent="0">
+              <a:buFont typeface="Arial"/>
+              <a:buNone/>
+              <a:defRPr/>
+            </a:pPr>
+            <a:r>
+              <a:rPr lang="el-GR"/>
+              <a:t>Μπορεί ο αλγόριθμος του </a:t>
+            </a:r>
+            <a:r>
+              <a:rPr lang="en-US"/>
+              <a:t>Bresenham</a:t>
+            </a:r>
+            <a:r>
+              <a:rPr lang="el-GR"/>
+              <a:t> να χρειάζεται να εκτελείτε σειριακά αλλά αυτό δεν σημαίνει ότι δεν μπορούμε να σχεδιάζουμε και τις ευθείες παράλληλα </a:t>
+            </a:r>
+            <a:endParaRPr lang="el-GR"/>
+          </a:p>
+          <a:p>
+            <a:pPr marL="0" indent="0">
+              <a:buFont typeface="Arial"/>
+              <a:buNone/>
+              <a:defRPr/>
+            </a:pPr>
+            <a:r>
+              <a:rPr lang="el-GR"/>
+              <a:t> </a:t>
+            </a:r>
+            <a:endParaRPr lang="el-GR"/>
+          </a:p>
+          <a:p>
+            <a:pPr marL="0" indent="0">
+              <a:buFont typeface="Arial"/>
+              <a:buNone/>
+              <a:defRPr/>
+            </a:pPr>
+            <a:endParaRPr lang="el-GR"/>
+          </a:p>
+        </p:txBody>
+      </p:sp>
+    </p:spTree>
+  </p:cSld>
+  <p:clrMapOvr>
+    <a:masterClrMapping/>
+  </p:clrMapOvr>
+  <mc:AlternateContent xmlns:mc="http://schemas.openxmlformats.org/markup-compatibility/2006">
+    <mc:Choice xmlns:p159="http://schemas.microsoft.com/office/powerpoint/2015/09/main" xmlns:p14="http://schemas.microsoft.com/office/powerpoint/2010/main" Requires="p159">
+      <p:transition p14:dur="2000" advClick="1"/>
+    </mc:Choice>
+    <mc:Fallback>
+      <p:transition advClick="1"/>
+    </mc:Fallback>
+  </mc:AlternateContent>
+</p:sld>
+</file>
+
+<file path=ppt/slides/slide9.xml><?xml version="1.0" encoding="utf-8"?>
 <p:sld xmlns:a="http://schemas.openxmlformats.org/drawingml/2006/main" xmlns:r="http://schemas.openxmlformats.org/officeDocument/2006/relationships" xmlns:p="http://schemas.openxmlformats.org/presentationml/2006/main" xmlns:m="http://schemas.openxmlformats.org/officeDocument/2006/math" xmlns:w="http://schemas.openxmlformats.org/wordprocessingml/2006/main" xmlns:mc="http://schemas.openxmlformats.org/markup-compatibility/2006" showMasterPhAnim="0" showMasterSp="1" show="1">
   <p:cSld name="">
     <p:spTree>
